--- a/costs of living A1.pptx
+++ b/costs of living A1.pptx
@@ -6,6 +6,15 @@
   </p:sldMasterIdLst>
   <p:sldIdLst>
     <p:sldId id="256" r:id="rId2"/>
+    <p:sldId id="258" r:id="rId3"/>
+    <p:sldId id="259" r:id="rId4"/>
+    <p:sldId id="260" r:id="rId5"/>
+    <p:sldId id="261" r:id="rId6"/>
+    <p:sldId id="262" r:id="rId7"/>
+    <p:sldId id="257" r:id="rId8"/>
+    <p:sldId id="263" r:id="rId9"/>
+    <p:sldId id="264" r:id="rId10"/>
+    <p:sldId id="265" r:id="rId11"/>
   </p:sldIdLst>
   <p:sldSz cx="12192000" cy="6858000"/>
   <p:notesSz cx="6858000" cy="9144000"/>
@@ -104,6 +113,11 @@
       </a:defRPr>
     </a:lvl9pPr>
   </p:defaultTextStyle>
+  <p:extLst>
+    <p:ext uri="{EFAFB233-063F-42B5-8137-9DF3F51BA10A}">
+      <p15:sldGuideLst xmlns:p15="http://schemas.microsoft.com/office/powerpoint/2012/main"/>
+    </p:ext>
+  </p:extLst>
 </p:presentation>
 </file>
 
@@ -254,7 +268,7 @@
           <a:p>
             <a:fld id="{0E65B97E-EF25-4B1E-AB49-40CD405F8F1B}" type="datetimeFigureOut">
               <a:rPr lang="en-US" smtClean="0"/>
-              <a:t>1/28/2022</a:t>
+              <a:t>1/31/2022</a:t>
             </a:fld>
             <a:endParaRPr lang="en-US"/>
           </a:p>
@@ -452,7 +466,7 @@
           <a:p>
             <a:fld id="{0E65B97E-EF25-4B1E-AB49-40CD405F8F1B}" type="datetimeFigureOut">
               <a:rPr lang="en-US" smtClean="0"/>
-              <a:t>1/28/2022</a:t>
+              <a:t>1/31/2022</a:t>
             </a:fld>
             <a:endParaRPr lang="en-US"/>
           </a:p>
@@ -660,7 +674,7 @@
           <a:p>
             <a:fld id="{0E65B97E-EF25-4B1E-AB49-40CD405F8F1B}" type="datetimeFigureOut">
               <a:rPr lang="en-US" smtClean="0"/>
-              <a:t>1/28/2022</a:t>
+              <a:t>1/31/2022</a:t>
             </a:fld>
             <a:endParaRPr lang="en-US"/>
           </a:p>
@@ -858,7 +872,7 @@
           <a:p>
             <a:fld id="{0E65B97E-EF25-4B1E-AB49-40CD405F8F1B}" type="datetimeFigureOut">
               <a:rPr lang="en-US" smtClean="0"/>
-              <a:t>1/28/2022</a:t>
+              <a:t>1/31/2022</a:t>
             </a:fld>
             <a:endParaRPr lang="en-US"/>
           </a:p>
@@ -1133,7 +1147,7 @@
           <a:p>
             <a:fld id="{0E65B97E-EF25-4B1E-AB49-40CD405F8F1B}" type="datetimeFigureOut">
               <a:rPr lang="en-US" smtClean="0"/>
-              <a:t>1/28/2022</a:t>
+              <a:t>1/31/2022</a:t>
             </a:fld>
             <a:endParaRPr lang="en-US"/>
           </a:p>
@@ -1398,7 +1412,7 @@
           <a:p>
             <a:fld id="{0E65B97E-EF25-4B1E-AB49-40CD405F8F1B}" type="datetimeFigureOut">
               <a:rPr lang="en-US" smtClean="0"/>
-              <a:t>1/28/2022</a:t>
+              <a:t>1/31/2022</a:t>
             </a:fld>
             <a:endParaRPr lang="en-US"/>
           </a:p>
@@ -1810,7 +1824,7 @@
           <a:p>
             <a:fld id="{0E65B97E-EF25-4B1E-AB49-40CD405F8F1B}" type="datetimeFigureOut">
               <a:rPr lang="en-US" smtClean="0"/>
-              <a:t>1/28/2022</a:t>
+              <a:t>1/31/2022</a:t>
             </a:fld>
             <a:endParaRPr lang="en-US"/>
           </a:p>
@@ -1951,7 +1965,7 @@
           <a:p>
             <a:fld id="{0E65B97E-EF25-4B1E-AB49-40CD405F8F1B}" type="datetimeFigureOut">
               <a:rPr lang="en-US" smtClean="0"/>
-              <a:t>1/28/2022</a:t>
+              <a:t>1/31/2022</a:t>
             </a:fld>
             <a:endParaRPr lang="en-US"/>
           </a:p>
@@ -2064,7 +2078,7 @@
           <a:p>
             <a:fld id="{0E65B97E-EF25-4B1E-AB49-40CD405F8F1B}" type="datetimeFigureOut">
               <a:rPr lang="en-US" smtClean="0"/>
-              <a:t>1/28/2022</a:t>
+              <a:t>1/31/2022</a:t>
             </a:fld>
             <a:endParaRPr lang="en-US"/>
           </a:p>
@@ -2375,7 +2389,7 @@
           <a:p>
             <a:fld id="{0E65B97E-EF25-4B1E-AB49-40CD405F8F1B}" type="datetimeFigureOut">
               <a:rPr lang="en-US" smtClean="0"/>
-              <a:t>1/28/2022</a:t>
+              <a:t>1/31/2022</a:t>
             </a:fld>
             <a:endParaRPr lang="en-US"/>
           </a:p>
@@ -2663,7 +2677,7 @@
           <a:p>
             <a:fld id="{0E65B97E-EF25-4B1E-AB49-40CD405F8F1B}" type="datetimeFigureOut">
               <a:rPr lang="en-US" smtClean="0"/>
-              <a:t>1/28/2022</a:t>
+              <a:t>1/31/2022</a:t>
             </a:fld>
             <a:endParaRPr lang="en-US"/>
           </a:p>
@@ -2904,7 +2918,7 @@
           <a:p>
             <a:fld id="{0E65B97E-EF25-4B1E-AB49-40CD405F8F1B}" type="datetimeFigureOut">
               <a:rPr lang="en-US" smtClean="0"/>
-              <a:t>1/28/2022</a:t>
+              <a:t>1/31/2022</a:t>
             </a:fld>
             <a:endParaRPr lang="en-US"/>
           </a:p>
@@ -3393,6 +3407,757 @@
 </p:sld>
 </file>
 
+<file path=ppt/slides/slide10.xml><?xml version="1.0" encoding="utf-8"?>
+<p:sld xmlns:a="http://schemas.openxmlformats.org/drawingml/2006/main" xmlns:r="http://schemas.openxmlformats.org/officeDocument/2006/relationships" xmlns:p="http://schemas.openxmlformats.org/presentationml/2006/main">
+  <p:cSld>
+    <p:spTree>
+      <p:nvGrpSpPr>
+        <p:cNvPr id="1" name=""/>
+        <p:cNvGrpSpPr/>
+        <p:nvPr/>
+      </p:nvGrpSpPr>
+      <p:grpSpPr>
+        <a:xfrm>
+          <a:off x="0" y="0"/>
+          <a:ext cx="0" cy="0"/>
+          <a:chOff x="0" y="0"/>
+          <a:chExt cx="0" cy="0"/>
+        </a:xfrm>
+      </p:grpSpPr>
+      <p:sp>
+        <p:nvSpPr>
+          <p:cNvPr id="2" name="Title 1">
+            <a:extLst>
+              <a:ext uri="{FF2B5EF4-FFF2-40B4-BE49-F238E27FC236}">
+                <a16:creationId xmlns:a16="http://schemas.microsoft.com/office/drawing/2014/main" id="{558F1064-FE04-43D7-99E1-2BBF0CDE94BD}"/>
+              </a:ext>
+            </a:extLst>
+          </p:cNvPr>
+          <p:cNvSpPr>
+            <a:spLocks noGrp="1"/>
+          </p:cNvSpPr>
+          <p:nvPr>
+            <p:ph type="title"/>
+          </p:nvPr>
+        </p:nvSpPr>
+        <p:spPr/>
+        <p:txBody>
+          <a:bodyPr/>
+          <a:lstStyle/>
+          <a:p>
+            <a:r>
+              <a:rPr lang="en-US" dirty="0"/>
+              <a:t>What can </a:t>
+            </a:r>
+            <a:r>
+              <a:rPr lang="en-US"/>
+              <a:t>be done to fix the issue</a:t>
+            </a:r>
+          </a:p>
+        </p:txBody>
+      </p:sp>
+      <p:sp>
+        <p:nvSpPr>
+          <p:cNvPr id="3" name="Content Placeholder 2">
+            <a:extLst>
+              <a:ext uri="{FF2B5EF4-FFF2-40B4-BE49-F238E27FC236}">
+                <a16:creationId xmlns:a16="http://schemas.microsoft.com/office/drawing/2014/main" id="{AE1E0EE7-BDDE-4188-8506-09C66EDF21E6}"/>
+              </a:ext>
+            </a:extLst>
+          </p:cNvPr>
+          <p:cNvSpPr>
+            <a:spLocks noGrp="1"/>
+          </p:cNvSpPr>
+          <p:nvPr>
+            <p:ph idx="1"/>
+          </p:nvPr>
+        </p:nvSpPr>
+        <p:spPr/>
+        <p:txBody>
+          <a:bodyPr/>
+          <a:lstStyle/>
+          <a:p>
+            <a:endParaRPr lang="en-US"/>
+          </a:p>
+        </p:txBody>
+      </p:sp>
+    </p:spTree>
+    <p:extLst>
+      <p:ext uri="{BB962C8B-B14F-4D97-AF65-F5344CB8AC3E}">
+        <p14:creationId xmlns:p14="http://schemas.microsoft.com/office/powerpoint/2010/main" val="3533497636"/>
+      </p:ext>
+    </p:extLst>
+  </p:cSld>
+  <p:clrMapOvr>
+    <a:masterClrMapping/>
+  </p:clrMapOvr>
+</p:sld>
+</file>
+
+<file path=ppt/slides/slide2.xml><?xml version="1.0" encoding="utf-8"?>
+<p:sld xmlns:a="http://schemas.openxmlformats.org/drawingml/2006/main" xmlns:r="http://schemas.openxmlformats.org/officeDocument/2006/relationships" xmlns:p="http://schemas.openxmlformats.org/presentationml/2006/main">
+  <p:cSld>
+    <p:spTree>
+      <p:nvGrpSpPr>
+        <p:cNvPr id="1" name=""/>
+        <p:cNvGrpSpPr/>
+        <p:nvPr/>
+      </p:nvGrpSpPr>
+      <p:grpSpPr>
+        <a:xfrm>
+          <a:off x="0" y="0"/>
+          <a:ext cx="0" cy="0"/>
+          <a:chOff x="0" y="0"/>
+          <a:chExt cx="0" cy="0"/>
+        </a:xfrm>
+      </p:grpSpPr>
+      <p:sp>
+        <p:nvSpPr>
+          <p:cNvPr id="2" name="Title 1">
+            <a:extLst>
+              <a:ext uri="{FF2B5EF4-FFF2-40B4-BE49-F238E27FC236}">
+                <a16:creationId xmlns:a16="http://schemas.microsoft.com/office/drawing/2014/main" id="{71A725C5-99D7-4018-AEDE-2C1B73DA16D8}"/>
+              </a:ext>
+            </a:extLst>
+          </p:cNvPr>
+          <p:cNvSpPr>
+            <a:spLocks noGrp="1"/>
+          </p:cNvSpPr>
+          <p:nvPr>
+            <p:ph type="title"/>
+          </p:nvPr>
+        </p:nvSpPr>
+        <p:spPr/>
+        <p:txBody>
+          <a:bodyPr/>
+          <a:lstStyle/>
+          <a:p>
+            <a:r>
+              <a:rPr lang="en-US" dirty="0"/>
+              <a:t>What was the cause of higher costs of living?</a:t>
+            </a:r>
+          </a:p>
+        </p:txBody>
+      </p:sp>
+      <p:sp>
+        <p:nvSpPr>
+          <p:cNvPr id="3" name="Content Placeholder 2">
+            <a:extLst>
+              <a:ext uri="{FF2B5EF4-FFF2-40B4-BE49-F238E27FC236}">
+                <a16:creationId xmlns:a16="http://schemas.microsoft.com/office/drawing/2014/main" id="{E5F9F762-2F4D-45B2-9D8B-FBBFE3E41B07}"/>
+              </a:ext>
+            </a:extLst>
+          </p:cNvPr>
+          <p:cNvSpPr>
+            <a:spLocks noGrp="1"/>
+          </p:cNvSpPr>
+          <p:nvPr>
+            <p:ph idx="1"/>
+          </p:nvPr>
+        </p:nvSpPr>
+        <p:spPr/>
+        <p:txBody>
+          <a:bodyPr/>
+          <a:lstStyle/>
+          <a:p>
+            <a:endParaRPr lang="en-US"/>
+          </a:p>
+        </p:txBody>
+      </p:sp>
+    </p:spTree>
+    <p:extLst>
+      <p:ext uri="{BB962C8B-B14F-4D97-AF65-F5344CB8AC3E}">
+        <p14:creationId xmlns:p14="http://schemas.microsoft.com/office/powerpoint/2010/main" val="1495152065"/>
+      </p:ext>
+    </p:extLst>
+  </p:cSld>
+  <p:clrMapOvr>
+    <a:masterClrMapping/>
+  </p:clrMapOvr>
+</p:sld>
+</file>
+
+<file path=ppt/slides/slide3.xml><?xml version="1.0" encoding="utf-8"?>
+<p:sld xmlns:a="http://schemas.openxmlformats.org/drawingml/2006/main" xmlns:r="http://schemas.openxmlformats.org/officeDocument/2006/relationships" xmlns:p="http://schemas.openxmlformats.org/presentationml/2006/main">
+  <p:cSld>
+    <p:spTree>
+      <p:nvGrpSpPr>
+        <p:cNvPr id="1" name=""/>
+        <p:cNvGrpSpPr/>
+        <p:nvPr/>
+      </p:nvGrpSpPr>
+      <p:grpSpPr>
+        <a:xfrm>
+          <a:off x="0" y="0"/>
+          <a:ext cx="0" cy="0"/>
+          <a:chOff x="0" y="0"/>
+          <a:chExt cx="0" cy="0"/>
+        </a:xfrm>
+      </p:grpSpPr>
+      <p:sp>
+        <p:nvSpPr>
+          <p:cNvPr id="2" name="Title 1">
+            <a:extLst>
+              <a:ext uri="{FF2B5EF4-FFF2-40B4-BE49-F238E27FC236}">
+                <a16:creationId xmlns:a16="http://schemas.microsoft.com/office/drawing/2014/main" id="{A6015AFB-6D2C-467D-86FB-686CCFF82A52}"/>
+              </a:ext>
+            </a:extLst>
+          </p:cNvPr>
+          <p:cNvSpPr>
+            <a:spLocks noGrp="1"/>
+          </p:cNvSpPr>
+          <p:nvPr>
+            <p:ph type="title"/>
+          </p:nvPr>
+        </p:nvSpPr>
+        <p:spPr/>
+        <p:txBody>
+          <a:bodyPr/>
+          <a:lstStyle/>
+          <a:p>
+            <a:r>
+              <a:rPr lang="en-US" dirty="0"/>
+              <a:t>Covid and its causes + future problems</a:t>
+            </a:r>
+          </a:p>
+        </p:txBody>
+      </p:sp>
+      <p:sp>
+        <p:nvSpPr>
+          <p:cNvPr id="3" name="Content Placeholder 2">
+            <a:extLst>
+              <a:ext uri="{FF2B5EF4-FFF2-40B4-BE49-F238E27FC236}">
+                <a16:creationId xmlns:a16="http://schemas.microsoft.com/office/drawing/2014/main" id="{A9595E82-DCEC-42A4-89ED-AA148663119C}"/>
+              </a:ext>
+            </a:extLst>
+          </p:cNvPr>
+          <p:cNvSpPr>
+            <a:spLocks noGrp="1"/>
+          </p:cNvSpPr>
+          <p:nvPr>
+            <p:ph idx="1"/>
+          </p:nvPr>
+        </p:nvSpPr>
+        <p:spPr/>
+        <p:txBody>
+          <a:bodyPr/>
+          <a:lstStyle/>
+          <a:p>
+            <a:endParaRPr lang="en-US"/>
+          </a:p>
+        </p:txBody>
+      </p:sp>
+    </p:spTree>
+    <p:extLst>
+      <p:ext uri="{BB962C8B-B14F-4D97-AF65-F5344CB8AC3E}">
+        <p14:creationId xmlns:p14="http://schemas.microsoft.com/office/powerpoint/2010/main" val="3086502360"/>
+      </p:ext>
+    </p:extLst>
+  </p:cSld>
+  <p:clrMapOvr>
+    <a:masterClrMapping/>
+  </p:clrMapOvr>
+</p:sld>
+</file>
+
+<file path=ppt/slides/slide4.xml><?xml version="1.0" encoding="utf-8"?>
+<p:sld xmlns:a="http://schemas.openxmlformats.org/drawingml/2006/main" xmlns:r="http://schemas.openxmlformats.org/officeDocument/2006/relationships" xmlns:p="http://schemas.openxmlformats.org/presentationml/2006/main">
+  <p:cSld>
+    <p:spTree>
+      <p:nvGrpSpPr>
+        <p:cNvPr id="1" name=""/>
+        <p:cNvGrpSpPr/>
+        <p:nvPr/>
+      </p:nvGrpSpPr>
+      <p:grpSpPr>
+        <a:xfrm>
+          <a:off x="0" y="0"/>
+          <a:ext cx="0" cy="0"/>
+          <a:chOff x="0" y="0"/>
+          <a:chExt cx="0" cy="0"/>
+        </a:xfrm>
+      </p:grpSpPr>
+      <p:sp>
+        <p:nvSpPr>
+          <p:cNvPr id="2" name="Title 1">
+            <a:extLst>
+              <a:ext uri="{FF2B5EF4-FFF2-40B4-BE49-F238E27FC236}">
+                <a16:creationId xmlns:a16="http://schemas.microsoft.com/office/drawing/2014/main" id="{293596EF-D529-4556-87A0-7AF30455FC48}"/>
+              </a:ext>
+            </a:extLst>
+          </p:cNvPr>
+          <p:cNvSpPr>
+            <a:spLocks noGrp="1"/>
+          </p:cNvSpPr>
+          <p:nvPr>
+            <p:ph type="title"/>
+          </p:nvPr>
+        </p:nvSpPr>
+        <p:spPr/>
+        <p:txBody>
+          <a:bodyPr/>
+          <a:lstStyle/>
+          <a:p>
+            <a:r>
+              <a:rPr lang="en-US" dirty="0"/>
+              <a:t>Housing crisis of 2008</a:t>
+            </a:r>
+          </a:p>
+        </p:txBody>
+      </p:sp>
+      <p:sp>
+        <p:nvSpPr>
+          <p:cNvPr id="3" name="Content Placeholder 2">
+            <a:extLst>
+              <a:ext uri="{FF2B5EF4-FFF2-40B4-BE49-F238E27FC236}">
+                <a16:creationId xmlns:a16="http://schemas.microsoft.com/office/drawing/2014/main" id="{9126A084-B8E1-4DE2-A7FE-4C1290A14568}"/>
+              </a:ext>
+            </a:extLst>
+          </p:cNvPr>
+          <p:cNvSpPr>
+            <a:spLocks noGrp="1"/>
+          </p:cNvSpPr>
+          <p:nvPr>
+            <p:ph idx="1"/>
+          </p:nvPr>
+        </p:nvSpPr>
+        <p:spPr/>
+        <p:txBody>
+          <a:bodyPr/>
+          <a:lstStyle/>
+          <a:p>
+            <a:endParaRPr lang="en-US"/>
+          </a:p>
+        </p:txBody>
+      </p:sp>
+    </p:spTree>
+    <p:extLst>
+      <p:ext uri="{BB962C8B-B14F-4D97-AF65-F5344CB8AC3E}">
+        <p14:creationId xmlns:p14="http://schemas.microsoft.com/office/powerpoint/2010/main" val="3433514592"/>
+      </p:ext>
+    </p:extLst>
+  </p:cSld>
+  <p:clrMapOvr>
+    <a:masterClrMapping/>
+  </p:clrMapOvr>
+</p:sld>
+</file>
+
+<file path=ppt/slides/slide5.xml><?xml version="1.0" encoding="utf-8"?>
+<p:sld xmlns:a="http://schemas.openxmlformats.org/drawingml/2006/main" xmlns:r="http://schemas.openxmlformats.org/officeDocument/2006/relationships" xmlns:p="http://schemas.openxmlformats.org/presentationml/2006/main">
+  <p:cSld>
+    <p:spTree>
+      <p:nvGrpSpPr>
+        <p:cNvPr id="1" name=""/>
+        <p:cNvGrpSpPr/>
+        <p:nvPr/>
+      </p:nvGrpSpPr>
+      <p:grpSpPr>
+        <a:xfrm>
+          <a:off x="0" y="0"/>
+          <a:ext cx="0" cy="0"/>
+          <a:chOff x="0" y="0"/>
+          <a:chExt cx="0" cy="0"/>
+        </a:xfrm>
+      </p:grpSpPr>
+      <p:sp>
+        <p:nvSpPr>
+          <p:cNvPr id="2" name="Title 1">
+            <a:extLst>
+              <a:ext uri="{FF2B5EF4-FFF2-40B4-BE49-F238E27FC236}">
+                <a16:creationId xmlns:a16="http://schemas.microsoft.com/office/drawing/2014/main" id="{712C4991-C590-4052-96EA-288865D8754D}"/>
+              </a:ext>
+            </a:extLst>
+          </p:cNvPr>
+          <p:cNvSpPr>
+            <a:spLocks noGrp="1"/>
+          </p:cNvSpPr>
+          <p:nvPr>
+            <p:ph type="title"/>
+          </p:nvPr>
+        </p:nvSpPr>
+        <p:spPr/>
+        <p:txBody>
+          <a:bodyPr/>
+          <a:lstStyle/>
+          <a:p>
+            <a:r>
+              <a:rPr lang="en-US" dirty="0"/>
+              <a:t>Inflation rates</a:t>
+            </a:r>
+          </a:p>
+        </p:txBody>
+      </p:sp>
+      <p:sp>
+        <p:nvSpPr>
+          <p:cNvPr id="3" name="Content Placeholder 2">
+            <a:extLst>
+              <a:ext uri="{FF2B5EF4-FFF2-40B4-BE49-F238E27FC236}">
+                <a16:creationId xmlns:a16="http://schemas.microsoft.com/office/drawing/2014/main" id="{817A5217-C916-4512-91EB-67F0F54E0626}"/>
+              </a:ext>
+            </a:extLst>
+          </p:cNvPr>
+          <p:cNvSpPr>
+            <a:spLocks noGrp="1"/>
+          </p:cNvSpPr>
+          <p:nvPr>
+            <p:ph idx="1"/>
+          </p:nvPr>
+        </p:nvSpPr>
+        <p:spPr/>
+        <p:txBody>
+          <a:bodyPr/>
+          <a:lstStyle/>
+          <a:p>
+            <a:endParaRPr lang="en-US"/>
+          </a:p>
+        </p:txBody>
+      </p:sp>
+    </p:spTree>
+    <p:extLst>
+      <p:ext uri="{BB962C8B-B14F-4D97-AF65-F5344CB8AC3E}">
+        <p14:creationId xmlns:p14="http://schemas.microsoft.com/office/powerpoint/2010/main" val="3947278748"/>
+      </p:ext>
+    </p:extLst>
+  </p:cSld>
+  <p:clrMapOvr>
+    <a:masterClrMapping/>
+  </p:clrMapOvr>
+</p:sld>
+</file>
+
+<file path=ppt/slides/slide6.xml><?xml version="1.0" encoding="utf-8"?>
+<p:sld xmlns:a="http://schemas.openxmlformats.org/drawingml/2006/main" xmlns:r="http://schemas.openxmlformats.org/officeDocument/2006/relationships" xmlns:p="http://schemas.openxmlformats.org/presentationml/2006/main">
+  <p:cSld>
+    <p:spTree>
+      <p:nvGrpSpPr>
+        <p:cNvPr id="1" name=""/>
+        <p:cNvGrpSpPr/>
+        <p:nvPr/>
+      </p:nvGrpSpPr>
+      <p:grpSpPr>
+        <a:xfrm>
+          <a:off x="0" y="0"/>
+          <a:ext cx="0" cy="0"/>
+          <a:chOff x="0" y="0"/>
+          <a:chExt cx="0" cy="0"/>
+        </a:xfrm>
+      </p:grpSpPr>
+      <p:sp>
+        <p:nvSpPr>
+          <p:cNvPr id="2" name="Title 1">
+            <a:extLst>
+              <a:ext uri="{FF2B5EF4-FFF2-40B4-BE49-F238E27FC236}">
+                <a16:creationId xmlns:a16="http://schemas.microsoft.com/office/drawing/2014/main" id="{0EB7859B-1BB8-4F95-9928-1C58692EBCF9}"/>
+              </a:ext>
+            </a:extLst>
+          </p:cNvPr>
+          <p:cNvSpPr>
+            <a:spLocks noGrp="1"/>
+          </p:cNvSpPr>
+          <p:nvPr>
+            <p:ph type="title"/>
+          </p:nvPr>
+        </p:nvSpPr>
+        <p:spPr/>
+        <p:txBody>
+          <a:bodyPr/>
+          <a:lstStyle/>
+          <a:p>
+            <a:r>
+              <a:rPr lang="en-US" dirty="0"/>
+              <a:t>Unemployment</a:t>
+            </a:r>
+          </a:p>
+        </p:txBody>
+      </p:sp>
+      <p:sp>
+        <p:nvSpPr>
+          <p:cNvPr id="3" name="Content Placeholder 2">
+            <a:extLst>
+              <a:ext uri="{FF2B5EF4-FFF2-40B4-BE49-F238E27FC236}">
+                <a16:creationId xmlns:a16="http://schemas.microsoft.com/office/drawing/2014/main" id="{BC5D7EBA-75C7-4A69-A1ED-23FF4E6F5A24}"/>
+              </a:ext>
+            </a:extLst>
+          </p:cNvPr>
+          <p:cNvSpPr>
+            <a:spLocks noGrp="1"/>
+          </p:cNvSpPr>
+          <p:nvPr>
+            <p:ph idx="1"/>
+          </p:nvPr>
+        </p:nvSpPr>
+        <p:spPr/>
+        <p:txBody>
+          <a:bodyPr/>
+          <a:lstStyle/>
+          <a:p>
+            <a:endParaRPr lang="en-US"/>
+          </a:p>
+        </p:txBody>
+      </p:sp>
+    </p:spTree>
+    <p:extLst>
+      <p:ext uri="{BB962C8B-B14F-4D97-AF65-F5344CB8AC3E}">
+        <p14:creationId xmlns:p14="http://schemas.microsoft.com/office/powerpoint/2010/main" val="3006465079"/>
+      </p:ext>
+    </p:extLst>
+  </p:cSld>
+  <p:clrMapOvr>
+    <a:masterClrMapping/>
+  </p:clrMapOvr>
+</p:sld>
+</file>
+
+<file path=ppt/slides/slide7.xml><?xml version="1.0" encoding="utf-8"?>
+<p:sld xmlns:a="http://schemas.openxmlformats.org/drawingml/2006/main" xmlns:r="http://schemas.openxmlformats.org/officeDocument/2006/relationships" xmlns:p="http://schemas.openxmlformats.org/presentationml/2006/main">
+  <p:cSld>
+    <p:spTree>
+      <p:nvGrpSpPr>
+        <p:cNvPr id="1" name=""/>
+        <p:cNvGrpSpPr/>
+        <p:nvPr/>
+      </p:nvGrpSpPr>
+      <p:grpSpPr>
+        <a:xfrm>
+          <a:off x="0" y="0"/>
+          <a:ext cx="0" cy="0"/>
+          <a:chOff x="0" y="0"/>
+          <a:chExt cx="0" cy="0"/>
+        </a:xfrm>
+      </p:grpSpPr>
+      <p:sp>
+        <p:nvSpPr>
+          <p:cNvPr id="2" name="Title 1">
+            <a:extLst>
+              <a:ext uri="{FF2B5EF4-FFF2-40B4-BE49-F238E27FC236}">
+                <a16:creationId xmlns:a16="http://schemas.microsoft.com/office/drawing/2014/main" id="{2A3C7637-FD0E-40C3-BB8C-F41FDE95CE4F}"/>
+              </a:ext>
+            </a:extLst>
+          </p:cNvPr>
+          <p:cNvSpPr>
+            <a:spLocks noGrp="1"/>
+          </p:cNvSpPr>
+          <p:nvPr>
+            <p:ph type="title"/>
+          </p:nvPr>
+        </p:nvSpPr>
+        <p:spPr/>
+        <p:txBody>
+          <a:bodyPr/>
+          <a:lstStyle/>
+          <a:p>
+            <a:r>
+              <a:rPr lang="en-US" dirty="0"/>
+              <a:t>When did the cost of things start to deviate away from the earned wages</a:t>
+            </a:r>
+          </a:p>
+        </p:txBody>
+      </p:sp>
+      <p:sp>
+        <p:nvSpPr>
+          <p:cNvPr id="3" name="Content Placeholder 2">
+            <a:extLst>
+              <a:ext uri="{FF2B5EF4-FFF2-40B4-BE49-F238E27FC236}">
+                <a16:creationId xmlns:a16="http://schemas.microsoft.com/office/drawing/2014/main" id="{06DC6DCF-4E28-41EB-ADB6-669BEF4FF751}"/>
+              </a:ext>
+            </a:extLst>
+          </p:cNvPr>
+          <p:cNvSpPr>
+            <a:spLocks noGrp="1"/>
+          </p:cNvSpPr>
+          <p:nvPr>
+            <p:ph idx="1"/>
+          </p:nvPr>
+        </p:nvSpPr>
+        <p:spPr/>
+        <p:txBody>
+          <a:bodyPr/>
+          <a:lstStyle/>
+          <a:p>
+            <a:endParaRPr lang="en-US"/>
+          </a:p>
+        </p:txBody>
+      </p:sp>
+    </p:spTree>
+    <p:extLst>
+      <p:ext uri="{BB962C8B-B14F-4D97-AF65-F5344CB8AC3E}">
+        <p14:creationId xmlns:p14="http://schemas.microsoft.com/office/powerpoint/2010/main" val="2524849211"/>
+      </p:ext>
+    </p:extLst>
+  </p:cSld>
+  <p:clrMapOvr>
+    <a:masterClrMapping/>
+  </p:clrMapOvr>
+</p:sld>
+</file>
+
+<file path=ppt/slides/slide8.xml><?xml version="1.0" encoding="utf-8"?>
+<p:sld xmlns:a="http://schemas.openxmlformats.org/drawingml/2006/main" xmlns:r="http://schemas.openxmlformats.org/officeDocument/2006/relationships" xmlns:p="http://schemas.openxmlformats.org/presentationml/2006/main">
+  <p:cSld>
+    <p:spTree>
+      <p:nvGrpSpPr>
+        <p:cNvPr id="1" name=""/>
+        <p:cNvGrpSpPr/>
+        <p:nvPr/>
+      </p:nvGrpSpPr>
+      <p:grpSpPr>
+        <a:xfrm>
+          <a:off x="0" y="0"/>
+          <a:ext cx="0" cy="0"/>
+          <a:chOff x="0" y="0"/>
+          <a:chExt cx="0" cy="0"/>
+        </a:xfrm>
+      </p:grpSpPr>
+      <p:sp>
+        <p:nvSpPr>
+          <p:cNvPr id="2" name="Title 1">
+            <a:extLst>
+              <a:ext uri="{FF2B5EF4-FFF2-40B4-BE49-F238E27FC236}">
+                <a16:creationId xmlns:a16="http://schemas.microsoft.com/office/drawing/2014/main" id="{A7F9CF08-6CCC-4B33-9CA1-F880E4F2864C}"/>
+              </a:ext>
+            </a:extLst>
+          </p:cNvPr>
+          <p:cNvSpPr>
+            <a:spLocks noGrp="1"/>
+          </p:cNvSpPr>
+          <p:nvPr>
+            <p:ph type="title"/>
+          </p:nvPr>
+        </p:nvSpPr>
+        <p:spPr/>
+        <p:txBody>
+          <a:bodyPr/>
+          <a:lstStyle/>
+          <a:p>
+            <a:r>
+              <a:rPr lang="en-US" dirty="0"/>
+              <a:t>Marriage rates + birth rates</a:t>
+            </a:r>
+          </a:p>
+        </p:txBody>
+      </p:sp>
+      <p:sp>
+        <p:nvSpPr>
+          <p:cNvPr id="3" name="Content Placeholder 2">
+            <a:extLst>
+              <a:ext uri="{FF2B5EF4-FFF2-40B4-BE49-F238E27FC236}">
+                <a16:creationId xmlns:a16="http://schemas.microsoft.com/office/drawing/2014/main" id="{645CFA27-8CFE-4CE6-9CFD-3679ACF95EE3}"/>
+              </a:ext>
+            </a:extLst>
+          </p:cNvPr>
+          <p:cNvSpPr>
+            <a:spLocks noGrp="1"/>
+          </p:cNvSpPr>
+          <p:nvPr>
+            <p:ph idx="1"/>
+          </p:nvPr>
+        </p:nvSpPr>
+        <p:spPr/>
+        <p:txBody>
+          <a:bodyPr/>
+          <a:lstStyle/>
+          <a:p>
+            <a:endParaRPr lang="en-US"/>
+          </a:p>
+        </p:txBody>
+      </p:sp>
+    </p:spTree>
+    <p:extLst>
+      <p:ext uri="{BB962C8B-B14F-4D97-AF65-F5344CB8AC3E}">
+        <p14:creationId xmlns:p14="http://schemas.microsoft.com/office/powerpoint/2010/main" val="1106235070"/>
+      </p:ext>
+    </p:extLst>
+  </p:cSld>
+  <p:clrMapOvr>
+    <a:masterClrMapping/>
+  </p:clrMapOvr>
+</p:sld>
+</file>
+
+<file path=ppt/slides/slide9.xml><?xml version="1.0" encoding="utf-8"?>
+<p:sld xmlns:a="http://schemas.openxmlformats.org/drawingml/2006/main" xmlns:r="http://schemas.openxmlformats.org/officeDocument/2006/relationships" xmlns:p="http://schemas.openxmlformats.org/presentationml/2006/main">
+  <p:cSld>
+    <p:spTree>
+      <p:nvGrpSpPr>
+        <p:cNvPr id="1" name=""/>
+        <p:cNvGrpSpPr/>
+        <p:nvPr/>
+      </p:nvGrpSpPr>
+      <p:grpSpPr>
+        <a:xfrm>
+          <a:off x="0" y="0"/>
+          <a:ext cx="0" cy="0"/>
+          <a:chOff x="0" y="0"/>
+          <a:chExt cx="0" cy="0"/>
+        </a:xfrm>
+      </p:grpSpPr>
+      <p:sp>
+        <p:nvSpPr>
+          <p:cNvPr id="2" name="Title 1">
+            <a:extLst>
+              <a:ext uri="{FF2B5EF4-FFF2-40B4-BE49-F238E27FC236}">
+                <a16:creationId xmlns:a16="http://schemas.microsoft.com/office/drawing/2014/main" id="{0DD3EDBE-0308-49BF-9105-1193FCDB88F6}"/>
+              </a:ext>
+            </a:extLst>
+          </p:cNvPr>
+          <p:cNvSpPr>
+            <a:spLocks noGrp="1"/>
+          </p:cNvSpPr>
+          <p:nvPr>
+            <p:ph type="title"/>
+          </p:nvPr>
+        </p:nvSpPr>
+        <p:spPr/>
+        <p:txBody>
+          <a:bodyPr/>
+          <a:lstStyle/>
+          <a:p>
+            <a:r>
+              <a:rPr lang="en-US" dirty="0"/>
+              <a:t>Kids living with parents for longer</a:t>
+            </a:r>
+          </a:p>
+        </p:txBody>
+      </p:sp>
+      <p:sp>
+        <p:nvSpPr>
+          <p:cNvPr id="3" name="Content Placeholder 2">
+            <a:extLst>
+              <a:ext uri="{FF2B5EF4-FFF2-40B4-BE49-F238E27FC236}">
+                <a16:creationId xmlns:a16="http://schemas.microsoft.com/office/drawing/2014/main" id="{CA257CAF-23F6-4C25-B096-2E5DBF637718}"/>
+              </a:ext>
+            </a:extLst>
+          </p:cNvPr>
+          <p:cNvSpPr>
+            <a:spLocks noGrp="1"/>
+          </p:cNvSpPr>
+          <p:nvPr>
+            <p:ph idx="1"/>
+          </p:nvPr>
+        </p:nvSpPr>
+        <p:spPr/>
+        <p:txBody>
+          <a:bodyPr/>
+          <a:lstStyle/>
+          <a:p>
+            <a:endParaRPr lang="en-US"/>
+          </a:p>
+        </p:txBody>
+      </p:sp>
+    </p:spTree>
+    <p:extLst>
+      <p:ext uri="{BB962C8B-B14F-4D97-AF65-F5344CB8AC3E}">
+        <p14:creationId xmlns:p14="http://schemas.microsoft.com/office/powerpoint/2010/main" val="1413585529"/>
+      </p:ext>
+    </p:extLst>
+  </p:cSld>
+  <p:clrMapOvr>
+    <a:masterClrMapping/>
+  </p:clrMapOvr>
+</p:sld>
+</file>
+
 <file path=ppt/theme/theme1.xml><?xml version="1.0" encoding="utf-8"?>
 <a:theme xmlns:a="http://schemas.openxmlformats.org/drawingml/2006/main" name="Office Theme">
   <a:themeElements>
